--- a/online banking.pptx
+++ b/online banking.pptx
@@ -18508,7 +18508,21 @@
                 <a:latin typeface="Tahoma"/>
                 <a:cs typeface="Tahoma"/>
               </a:rPr>
-              <a:t>pip install sql-connector</a:t>
+              <a:t>pip install </a:t>
+            </a:r>
+            <a:r>
+              <a:rPr lang="en-US" sz="2400" b="1" spc="-90" dirty="0" err="1">
+                <a:latin typeface="Tahoma"/>
+                <a:cs typeface="Tahoma"/>
+              </a:rPr>
+              <a:t>sql</a:t>
+            </a:r>
+            <a:r>
+              <a:rPr lang="en-US" sz="2400" b="1" spc="-90" dirty="0">
+                <a:latin typeface="Tahoma"/>
+                <a:cs typeface="Tahoma"/>
+              </a:rPr>
+              <a:t>-connector-python</a:t>
             </a:r>
             <a:endParaRPr sz="2400" dirty="0">
               <a:latin typeface="Tahoma"/>
